--- a/materials/slides/ch04/05 面向场景的接口自动化测试.pptx
+++ b/materials/slides/ch04/05 面向场景的接口自动化测试.pptx
@@ -118,6 +118,22 @@
       </a:defRPr>
     </a:lvl9pPr>
   </p:defaultTextStyle>
+  <p:extLst>
+    <p:ext uri="{EFAFB233-063F-42B5-8137-9DF3F51BA10A}">
+      <p15:sldGuideLst xmlns:p15="http://schemas.microsoft.com/office/powerpoint/2012/main">
+        <p15:guide id="1" orient="horz" pos="1620">
+          <p15:clr>
+            <a:srgbClr val="A4A3A4"/>
+          </p15:clr>
+        </p15:guide>
+        <p15:guide id="2" pos="2880">
+          <p15:clr>
+            <a:srgbClr val="A4A3A4"/>
+          </p15:clr>
+        </p15:guide>
+      </p15:sldGuideLst>
+    </p:ext>
+  </p:extLst>
 </p:presentation>
 </file>
 
@@ -203,7 +219,7 @@
           <a:p>
             <a:fld id="{E45DE43E-AE57-4683-A429-3F46F1978ACA}" type="datetimeFigureOut">
               <a:rPr lang="zh-CN" altLang="en-US" smtClean="0"/>
-              <a:t>2019/8/27</a:t>
+              <a:t>2020/9/17</a:t>
             </a:fld>
             <a:endParaRPr lang="zh-CN" altLang="en-US"/>
           </a:p>
@@ -267,38 +283,37 @@
           <a:p>
             <a:pPr lvl="0"/>
             <a:r>
-              <a:rPr lang="zh-CN" altLang="en-US" smtClean="0"/>
+              <a:rPr lang="zh-CN" altLang="en-US"/>
               <a:t>单击此处编辑母版文本样式</a:t>
             </a:r>
           </a:p>
           <a:p>
             <a:pPr lvl="1"/>
             <a:r>
-              <a:rPr lang="zh-CN" altLang="en-US" smtClean="0"/>
+              <a:rPr lang="zh-CN" altLang="en-US"/>
               <a:t>第二级</a:t>
             </a:r>
           </a:p>
           <a:p>
             <a:pPr lvl="2"/>
             <a:r>
-              <a:rPr lang="zh-CN" altLang="en-US" smtClean="0"/>
+              <a:rPr lang="zh-CN" altLang="en-US"/>
               <a:t>第三级</a:t>
             </a:r>
           </a:p>
           <a:p>
             <a:pPr lvl="3"/>
             <a:r>
-              <a:rPr lang="zh-CN" altLang="en-US" smtClean="0"/>
+              <a:rPr lang="zh-CN" altLang="en-US"/>
               <a:t>第四级</a:t>
             </a:r>
           </a:p>
           <a:p>
             <a:pPr lvl="4"/>
             <a:r>
-              <a:rPr lang="zh-CN" altLang="en-US" smtClean="0"/>
+              <a:rPr lang="zh-CN" altLang="en-US"/>
               <a:t>第五级</a:t>
             </a:r>
-            <a:endParaRPr lang="zh-CN" altLang="en-US"/>
           </a:p>
         </p:txBody>
       </p:sp>
@@ -516,35 +531,35 @@
           <a:lstStyle/>
           <a:p>
             <a:r>
-              <a:rPr lang="en-US" altLang="zh-CN" dirty="0" err="1" smtClean="0"/>
+              <a:rPr lang="en-US" altLang="zh-CN" dirty="0" err="1"/>
               <a:t>httpClient</a:t>
             </a:r>
             <a:r>
-              <a:rPr lang="zh-CN" altLang="en-US" dirty="0" smtClean="0"/>
+              <a:rPr lang="zh-CN" altLang="en-US" dirty="0"/>
               <a:t>对象，登录返回结果收到</a:t>
             </a:r>
             <a:r>
-              <a:rPr lang="en-US" altLang="zh-CN" dirty="0" smtClean="0"/>
+              <a:rPr lang="en-US" altLang="zh-CN" dirty="0"/>
               <a:t>cookie</a:t>
             </a:r>
             <a:r>
-              <a:rPr lang="zh-CN" altLang="en-US" dirty="0" smtClean="0"/>
+              <a:rPr lang="zh-CN" altLang="en-US" dirty="0"/>
               <a:t>，自动保存</a:t>
             </a:r>
             <a:r>
-              <a:rPr lang="en-US" altLang="zh-CN" dirty="0" err="1" smtClean="0"/>
+              <a:rPr lang="en-US" altLang="zh-CN" dirty="0" err="1"/>
               <a:t>httpclient</a:t>
             </a:r>
             <a:r>
-              <a:rPr lang="en-US" altLang="zh-CN" dirty="0" smtClean="0"/>
+              <a:rPr lang="en-US" altLang="zh-CN" dirty="0"/>
               <a:t>,</a:t>
             </a:r>
             <a:r>
-              <a:rPr lang="zh-CN" altLang="en-US" dirty="0" smtClean="0"/>
+              <a:rPr lang="zh-CN" altLang="en-US" dirty="0"/>
               <a:t>自动带上</a:t>
             </a:r>
             <a:r>
-              <a:rPr lang="en-US" altLang="zh-CN" dirty="0" smtClean="0"/>
+              <a:rPr lang="en-US" altLang="zh-CN" dirty="0"/>
               <a:t>cookie</a:t>
             </a:r>
             <a:endParaRPr lang="zh-CN" altLang="en-US" dirty="0"/>
@@ -632,18 +647,17 @@
           <a:lstStyle/>
           <a:p>
             <a:r>
-              <a:rPr lang="zh-CN" altLang="en-US" dirty="0" smtClean="0"/>
+              <a:rPr lang="zh-CN" altLang="en-US" dirty="0"/>
               <a:t>同一个对象，之前的</a:t>
             </a:r>
             <a:r>
-              <a:rPr lang="en-US" altLang="zh-CN" dirty="0" smtClean="0"/>
+              <a:rPr lang="en-US" altLang="zh-CN" dirty="0"/>
               <a:t>cookie</a:t>
             </a:r>
             <a:r>
-              <a:rPr lang="zh-CN" altLang="en-US" dirty="0" smtClean="0"/>
+              <a:rPr lang="zh-CN" altLang="en-US" dirty="0"/>
               <a:t>信息都会带上</a:t>
             </a:r>
-            <a:endParaRPr lang="zh-CN" altLang="en-US" dirty="0"/>
           </a:p>
         </p:txBody>
       </p:sp>
@@ -717,7 +731,7 @@
           <a:p>
             <a:fld id="{530820CF-B880-4189-942D-D702A7CBA730}" type="datetimeFigureOut">
               <a:rPr lang="zh-CN" altLang="en-US" smtClean="0"/>
-              <a:t>2019/8/27</a:t>
+              <a:t>2020/9/17</a:t>
             </a:fld>
             <a:endParaRPr lang="zh-CN" altLang="en-US"/>
           </a:p>
@@ -890,7 +904,7 @@
           </a:lstStyle>
           <a:p>
             <a:r>
-              <a:rPr lang="zh-CN" altLang="en-US" smtClean="0"/>
+              <a:rPr lang="zh-CN" altLang="en-US"/>
               <a:t>单击此处编辑母版标题样式</a:t>
             </a:r>
             <a:endParaRPr lang="zh-CN" altLang="en-US" dirty="0"/>
@@ -1009,10 +1023,9 @@
           </a:lstStyle>
           <a:p>
             <a:r>
-              <a:rPr lang="zh-CN" altLang="en-US" smtClean="0"/>
+              <a:rPr lang="zh-CN" altLang="en-US"/>
               <a:t>单击此处编辑母版副标题样式</a:t>
             </a:r>
-            <a:endParaRPr lang="zh-CN" altLang="en-US"/>
           </a:p>
         </p:txBody>
       </p:sp>
@@ -1063,35 +1076,35 @@
           <a:p>
             <a:pPr lvl="0"/>
             <a:r>
-              <a:rPr lang="zh-CN" altLang="en-US" smtClean="0"/>
+              <a:rPr lang="zh-CN" altLang="en-US"/>
               <a:t>单击此处编辑母版文本样式</a:t>
             </a:r>
           </a:p>
           <a:p>
             <a:pPr lvl="1"/>
             <a:r>
-              <a:rPr lang="zh-CN" altLang="en-US" smtClean="0"/>
+              <a:rPr lang="zh-CN" altLang="en-US"/>
               <a:t>第二级</a:t>
             </a:r>
           </a:p>
           <a:p>
             <a:pPr lvl="2"/>
             <a:r>
-              <a:rPr lang="zh-CN" altLang="en-US" smtClean="0"/>
+              <a:rPr lang="zh-CN" altLang="en-US"/>
               <a:t>第三级</a:t>
             </a:r>
           </a:p>
           <a:p>
             <a:pPr lvl="3"/>
             <a:r>
-              <a:rPr lang="zh-CN" altLang="en-US" smtClean="0"/>
+              <a:rPr lang="zh-CN" altLang="en-US"/>
               <a:t>第四级</a:t>
             </a:r>
           </a:p>
           <a:p>
             <a:pPr lvl="4"/>
             <a:r>
-              <a:rPr lang="zh-CN" altLang="en-US" smtClean="0"/>
+              <a:rPr lang="zh-CN" altLang="en-US"/>
               <a:t>第五级</a:t>
             </a:r>
             <a:endParaRPr lang="zh-CN" altLang="en-US" dirty="0"/>
@@ -1115,7 +1128,7 @@
           <a:p>
             <a:fld id="{530820CF-B880-4189-942D-D702A7CBA730}" type="datetimeFigureOut">
               <a:rPr lang="zh-CN" altLang="en-US" smtClean="0"/>
-              <a:t>2019/8/27</a:t>
+              <a:t>2020/9/17</a:t>
             </a:fld>
             <a:endParaRPr lang="zh-CN" altLang="en-US"/>
           </a:p>
@@ -1242,7 +1255,7 @@
           </a:lstStyle>
           <a:p>
             <a:r>
-              <a:rPr lang="zh-CN" altLang="en-US" smtClean="0"/>
+              <a:rPr lang="zh-CN" altLang="en-US"/>
               <a:t>单击此处编辑母版标题样式</a:t>
             </a:r>
             <a:endParaRPr lang="zh-CN" altLang="en-US" dirty="0"/>
@@ -1327,35 +1340,35 @@
           <a:p>
             <a:pPr lvl="0"/>
             <a:r>
-              <a:rPr lang="zh-CN" altLang="en-US" smtClean="0"/>
+              <a:rPr lang="zh-CN" altLang="en-US"/>
               <a:t>单击此处编辑母版文本样式</a:t>
             </a:r>
           </a:p>
           <a:p>
             <a:pPr lvl="1"/>
             <a:r>
-              <a:rPr lang="zh-CN" altLang="en-US" smtClean="0"/>
+              <a:rPr lang="zh-CN" altLang="en-US"/>
               <a:t>第二级</a:t>
             </a:r>
           </a:p>
           <a:p>
             <a:pPr lvl="2"/>
             <a:r>
-              <a:rPr lang="zh-CN" altLang="en-US" smtClean="0"/>
+              <a:rPr lang="zh-CN" altLang="en-US"/>
               <a:t>第三级</a:t>
             </a:r>
           </a:p>
           <a:p>
             <a:pPr lvl="3"/>
             <a:r>
-              <a:rPr lang="zh-CN" altLang="en-US" smtClean="0"/>
+              <a:rPr lang="zh-CN" altLang="en-US"/>
               <a:t>第四级</a:t>
             </a:r>
           </a:p>
           <a:p>
             <a:pPr lvl="4"/>
             <a:r>
-              <a:rPr lang="zh-CN" altLang="en-US" smtClean="0"/>
+              <a:rPr lang="zh-CN" altLang="en-US"/>
               <a:t>第五级</a:t>
             </a:r>
             <a:endParaRPr lang="zh-CN" altLang="en-US" dirty="0"/>
@@ -1436,10 +1449,9 @@
           </a:lstStyle>
           <a:p>
             <a:r>
-              <a:rPr lang="zh-CN" altLang="en-US" dirty="0" smtClean="0"/>
+              <a:rPr lang="zh-CN" altLang="en-US" dirty="0"/>
               <a:t>单击此处编辑母版标题样式</a:t>
             </a:r>
-            <a:endParaRPr lang="zh-CN" altLang="en-US" dirty="0"/>
           </a:p>
         </p:txBody>
       </p:sp>
@@ -1499,13 +1511,6 @@
   <p:clrMapOvr>
     <a:masterClrMapping/>
   </p:clrMapOvr>
-  <p:timing>
-    <p:tnLst>
-      <p:par>
-        <p:cTn id="1" dur="indefinite" restart="never" nodeType="tmRoot"/>
-      </p:par>
-    </p:tnLst>
-  </p:timing>
 </p:sldLayout>
 </file>
 
@@ -1557,10 +1562,9 @@
           <a:lstStyle/>
           <a:p>
             <a:r>
-              <a:rPr lang="zh-CN" altLang="en-US" smtClean="0"/>
+              <a:rPr lang="zh-CN" altLang="en-US"/>
               <a:t>单击此处编辑母版标题样式</a:t>
             </a:r>
-            <a:endParaRPr lang="zh-CN" altLang="en-US"/>
           </a:p>
         </p:txBody>
       </p:sp>
@@ -1591,38 +1595,37 @@
           <a:p>
             <a:pPr lvl="0"/>
             <a:r>
-              <a:rPr lang="zh-CN" altLang="en-US" smtClean="0"/>
+              <a:rPr lang="zh-CN" altLang="en-US"/>
               <a:t>单击此处编辑母版文本样式</a:t>
             </a:r>
           </a:p>
           <a:p>
             <a:pPr lvl="1"/>
             <a:r>
-              <a:rPr lang="zh-CN" altLang="en-US" smtClean="0"/>
+              <a:rPr lang="zh-CN" altLang="en-US"/>
               <a:t>第二级</a:t>
             </a:r>
           </a:p>
           <a:p>
             <a:pPr lvl="2"/>
             <a:r>
-              <a:rPr lang="zh-CN" altLang="en-US" smtClean="0"/>
+              <a:rPr lang="zh-CN" altLang="en-US"/>
               <a:t>第三级</a:t>
             </a:r>
           </a:p>
           <a:p>
             <a:pPr lvl="3"/>
             <a:r>
-              <a:rPr lang="zh-CN" altLang="en-US" smtClean="0"/>
+              <a:rPr lang="zh-CN" altLang="en-US"/>
               <a:t>第四级</a:t>
             </a:r>
           </a:p>
           <a:p>
             <a:pPr lvl="4"/>
             <a:r>
-              <a:rPr lang="zh-CN" altLang="en-US" smtClean="0"/>
+              <a:rPr lang="zh-CN" altLang="en-US"/>
               <a:t>第五级</a:t>
             </a:r>
-            <a:endParaRPr lang="zh-CN" altLang="en-US"/>
           </a:p>
         </p:txBody>
       </p:sp>
@@ -1661,7 +1664,7 @@
           <a:p>
             <a:fld id="{530820CF-B880-4189-942D-D702A7CBA730}" type="datetimeFigureOut">
               <a:rPr lang="zh-CN" altLang="en-US" smtClean="0"/>
-              <a:t>2019/8/27</a:t>
+              <a:t>2020/9/17</a:t>
             </a:fld>
             <a:endParaRPr lang="zh-CN" altLang="en-US"/>
           </a:p>
@@ -2066,7 +2069,7 @@
           <a:lstStyle/>
           <a:p>
             <a:r>
-              <a:rPr lang="en-US" altLang="zh-CN" dirty="0" smtClean="0">
+              <a:rPr lang="en-US" altLang="zh-CN" dirty="0">
                 <a:solidFill>
                   <a:schemeClr val="bg1"/>
                 </a:solidFill>
@@ -2074,20 +2077,12 @@
               <a:t>				</a:t>
             </a:r>
             <a:r>
-              <a:rPr lang="zh-CN" altLang="en-US" dirty="0" smtClean="0">
-                <a:solidFill>
-                  <a:schemeClr val="bg1"/>
-                </a:solidFill>
-              </a:rPr>
-              <a:t>面向</a:t>
-            </a:r>
-            <a:r>
               <a:rPr lang="zh-CN" altLang="en-US" dirty="0">
                 <a:solidFill>
                   <a:schemeClr val="bg1"/>
                 </a:solidFill>
               </a:rPr>
-              <a:t>场景的接口测试</a:t>
+              <a:t>面向场景的接口测试</a:t>
             </a:r>
           </a:p>
         </p:txBody>
@@ -2102,13 +2097,6 @@
   <p:clrMapOvr>
     <a:masterClrMapping/>
   </p:clrMapOvr>
-  <p:timing>
-    <p:tnLst>
-      <p:par>
-        <p:cTn id="1" dur="indefinite" restart="never" nodeType="tmRoot"/>
-      </p:par>
-    </p:tnLst>
-  </p:timing>
 </p:sld>
 </file>
 
@@ -2145,28 +2133,28 @@
           <a:lstStyle/>
           <a:p>
             <a:r>
-              <a:rPr lang="en-US" altLang="zh-CN" dirty="0" smtClean="0">
+              <a:rPr lang="en-US" altLang="zh-CN" dirty="0">
                 <a:hlinkClick r:id="rId2"/>
               </a:rPr>
               <a:t>http://***/common/skuList?id=1&amp;name=tom&amp;age=12</a:t>
             </a:r>
-            <a:endParaRPr lang="en-US" altLang="zh-CN" dirty="0" smtClean="0"/>
-          </a:p>
-          <a:p>
-            <a:r>
-              <a:rPr lang="zh-CN" altLang="en-US" dirty="0" smtClean="0"/>
+            <a:endParaRPr lang="en-US" altLang="zh-CN" dirty="0"/>
+          </a:p>
+          <a:p>
+            <a:r>
+              <a:rPr lang="zh-CN" altLang="en-US" dirty="0"/>
               <a:t>在不同的</a:t>
             </a:r>
             <a:r>
-              <a:rPr lang="en-US" altLang="zh-CN" dirty="0" err="1" smtClean="0"/>
+              <a:rPr lang="en-US" altLang="zh-CN" dirty="0" err="1"/>
               <a:t>HttpClient</a:t>
             </a:r>
             <a:r>
-              <a:rPr lang="zh-CN" altLang="en-US" dirty="0" smtClean="0"/>
+              <a:rPr lang="zh-CN" altLang="en-US" dirty="0"/>
               <a:t>中间传递</a:t>
             </a:r>
             <a:r>
-              <a:rPr lang="en-US" altLang="zh-CN" dirty="0" smtClean="0"/>
+              <a:rPr lang="en-US" altLang="zh-CN" dirty="0"/>
               <a:t>Cookie</a:t>
             </a:r>
           </a:p>
@@ -2238,28 +2226,15 @@
         </p:nvSpPr>
         <p:spPr>
           <a:xfrm>
-            <a:off x="457994" y="843558"/>
+            <a:off x="426765" y="843558"/>
             <a:ext cx="8290470" cy="3888432"/>
           </a:xfrm>
         </p:spPr>
         <p:txBody>
           <a:bodyPr>
-            <a:normAutofit fontScale="77500" lnSpcReduction="20000"/>
+            <a:normAutofit fontScale="85000" lnSpcReduction="20000"/>
           </a:bodyPr>
           <a:lstStyle/>
-          <a:p>
-            <a:r>
-              <a:rPr lang="zh-CN" altLang="en-US" dirty="0" smtClean="0"/>
-              <a:t>返回</a:t>
-            </a:r>
-            <a:r>
-              <a:rPr lang="en-US" altLang="zh-CN" dirty="0" smtClean="0"/>
-              <a:t>cookie</a:t>
-            </a:r>
-          </a:p>
-          <a:p>
-            <a:endParaRPr lang="en-US" altLang="zh-CN" dirty="0"/>
-          </a:p>
           <a:p>
             <a:pPr marL="0" indent="0">
               <a:lnSpc>
@@ -2271,28 +2246,24 @@
               <a:buNone/>
             </a:pPr>
             <a:r>
+              <a:rPr lang="en-US" altLang="zh-CN" sz="2800" dirty="0" err="1"/>
+              <a:t>RequestConfig</a:t>
+            </a:r>
+            <a:r>
               <a:rPr lang="en-US" altLang="zh-CN" sz="2800" dirty="0"/>
-              <a:t>RequestConfig </a:t>
-            </a:r>
-            <a:r>
-              <a:rPr lang="en-US" altLang="zh-CN" sz="2800" dirty="0" err="1"/>
+              <a:t> </a:t>
+            </a:r>
+            <a:r>
+              <a:rPr lang="en-US" altLang="zh-CN" sz="2800" dirty="0" err="1">
+                <a:solidFill>
+                  <a:srgbClr val="FF0000"/>
+                </a:solidFill>
+              </a:rPr>
               <a:t>gConfig</a:t>
             </a:r>
             <a:r>
               <a:rPr lang="en-US" altLang="zh-CN" sz="2800" dirty="0"/>
-              <a:t> = </a:t>
-            </a:r>
-            <a:r>
-              <a:rPr lang="en-US" altLang="zh-CN" sz="2800" dirty="0" err="1"/>
-              <a:t>RequestConfig.</a:t>
-            </a:r>
-            <a:r>
-              <a:rPr lang="en-US" altLang="zh-CN" sz="2800" i="1" dirty="0" err="1"/>
-              <a:t>custom</a:t>
-            </a:r>
-            <a:r>
-              <a:rPr lang="en-US" altLang="zh-CN" sz="2800" i="1" dirty="0"/>
-              <a:t>().</a:t>
+              <a:t> =</a:t>
             </a:r>
           </a:p>
           <a:p>
@@ -2307,6 +2278,14 @@
             </a:pPr>
             <a:r>
               <a:rPr lang="en-US" altLang="zh-CN" sz="2800" dirty="0" err="1"/>
+              <a:t>RequestConfig.custom</a:t>
+            </a:r>
+            <a:r>
+              <a:rPr lang="en-US" altLang="zh-CN" sz="2800" dirty="0"/>
+              <a:t>().</a:t>
+            </a:r>
+            <a:r>
+              <a:rPr lang="en-US" altLang="zh-CN" sz="2800" dirty="0" err="1"/>
               <a:t>setCookieSpec</a:t>
             </a:r>
             <a:r>
@@ -2315,25 +2294,20 @@
             </a:r>
             <a:r>
               <a:rPr lang="en-US" altLang="zh-CN" sz="2800" dirty="0" err="1"/>
-              <a:t>CookieSpecs.</a:t>
-            </a:r>
-            <a:r>
-              <a:rPr lang="en-US" altLang="zh-CN" sz="2800" b="1" i="1" dirty="0" err="1"/>
-              <a:t>STANDARD</a:t>
-            </a:r>
-            <a:r>
-              <a:rPr lang="en-US" altLang="zh-CN" sz="2800" b="1" i="1" dirty="0"/>
+              <a:t>StandardCookieSpec.STRICT</a:t>
+            </a:r>
+            <a:r>
+              <a:rPr lang="en-US" altLang="zh-CN" sz="1800" b="1" i="1" dirty="0">
+                <a:solidFill>
+                  <a:srgbClr val="000000"/>
+                </a:solidFill>
+                <a:latin typeface="Consolas" panose="020B0609020204030204" pitchFamily="49" charset="0"/>
+              </a:rPr>
               <a:t>).build();</a:t>
             </a:r>
           </a:p>
           <a:p>
-            <a:pPr marL="0" indent="0">
-              <a:lnSpc>
-                <a:spcPct val="170000"/>
-              </a:lnSpc>
-              <a:spcBef>
-                <a:spcPts val="0"/>
-              </a:spcBef>
+            <a:pPr marL="0" indent="0" algn="l">
               <a:buNone/>
             </a:pPr>
             <a:r>
@@ -2462,7 +2436,15 @@
           </a:bodyPr>
           <a:lstStyle/>
           <a:p>
-            <a:endParaRPr lang="zh-CN" altLang="en-US"/>
+            <a:r>
+              <a:rPr lang="zh-CN" altLang="en-US" sz="4000" dirty="0"/>
+              <a:t>返回</a:t>
+            </a:r>
+            <a:r>
+              <a:rPr lang="en-US" altLang="zh-CN" sz="4000" dirty="0"/>
+              <a:t>cookie</a:t>
+            </a:r>
+            <a:endParaRPr lang="zh-CN" altLang="en-US" dirty="0"/>
           </a:p>
         </p:txBody>
       </p:sp>
@@ -2509,31 +2491,26 @@
         <p:spPr/>
         <p:txBody>
           <a:bodyPr>
-            <a:normAutofit/>
+            <a:normAutofit fontScale="92500" lnSpcReduction="10000"/>
           </a:bodyPr>
           <a:lstStyle/>
           <a:p>
-            <a:pPr>
+            <a:pPr marL="0" indent="0">
               <a:lnSpc>
-                <a:spcPct val="80000"/>
+                <a:spcPct val="170000"/>
               </a:lnSpc>
-            </a:pPr>
-            <a:r>
-              <a:rPr lang="zh-CN" altLang="en-US" sz="2500" dirty="0"/>
-              <a:t>设置</a:t>
-            </a:r>
-            <a:r>
-              <a:rPr lang="en-US" altLang="zh-CN" sz="2500" dirty="0"/>
-              <a:t>cookie</a:t>
-            </a:r>
-          </a:p>
-          <a:p>
-            <a:pPr marL="0" indent="0">
+              <a:spcBef>
+                <a:spcPts val="0"/>
+              </a:spcBef>
               <a:buNone/>
             </a:pPr>
             <a:r>
+              <a:rPr lang="en-US" altLang="zh-CN" sz="2800" dirty="0" err="1"/>
+              <a:t>RequestConfig</a:t>
+            </a:r>
+            <a:r>
               <a:rPr lang="en-US" altLang="zh-CN" sz="2800" dirty="0"/>
-              <a:t>RequestConfig </a:t>
+              <a:t> </a:t>
             </a:r>
             <a:r>
               <a:rPr lang="en-US" altLang="zh-CN" sz="2800" dirty="0" err="1"/>
@@ -2541,27 +2518,29 @@
             </a:r>
             <a:r>
               <a:rPr lang="en-US" altLang="zh-CN" sz="2800" dirty="0"/>
-              <a:t> = </a:t>
-            </a:r>
-            <a:r>
-              <a:rPr lang="en-US" altLang="zh-CN" sz="2800" dirty="0" err="1"/>
-              <a:t>RequestConfig.</a:t>
-            </a:r>
-            <a:r>
-              <a:rPr lang="en-US" altLang="zh-CN" sz="2800" i="1" dirty="0" err="1"/>
-              <a:t>custom</a:t>
-            </a:r>
-            <a:r>
-              <a:rPr lang="en-US" altLang="zh-CN" sz="2800" i="1" dirty="0"/>
-              <a:t>().</a:t>
+              <a:t> =</a:t>
             </a:r>
           </a:p>
           <a:p>
             <a:pPr marL="0" indent="0">
+              <a:lnSpc>
+                <a:spcPct val="170000"/>
+              </a:lnSpc>
+              <a:spcBef>
+                <a:spcPts val="0"/>
+              </a:spcBef>
               <a:buNone/>
             </a:pPr>
             <a:r>
               <a:rPr lang="en-US" altLang="zh-CN" sz="2800" dirty="0" err="1"/>
+              <a:t>RequestConfig.custom</a:t>
+            </a:r>
+            <a:r>
+              <a:rPr lang="en-US" altLang="zh-CN" sz="2800" dirty="0"/>
+              <a:t>().</a:t>
+            </a:r>
+            <a:r>
+              <a:rPr lang="en-US" altLang="zh-CN" sz="2800" dirty="0" err="1"/>
               <a:t>setCookieSpec</a:t>
             </a:r>
             <a:r>
@@ -2570,14 +2549,10 @@
             </a:r>
             <a:r>
               <a:rPr lang="en-US" altLang="zh-CN" sz="2800" dirty="0" err="1"/>
-              <a:t>CookieSpecs.</a:t>
-            </a:r>
-            <a:r>
-              <a:rPr lang="en-US" altLang="zh-CN" sz="2800" b="1" i="1" dirty="0" err="1"/>
-              <a:t>STANDARD</a:t>
-            </a:r>
-            <a:r>
-              <a:rPr lang="en-US" altLang="zh-CN" sz="2800" b="1" i="1" dirty="0"/>
+              <a:t>StandardCookieSpec.STRICT</a:t>
+            </a:r>
+            <a:r>
+              <a:rPr lang="en-US" altLang="zh-CN" sz="2800" dirty="0"/>
               <a:t>).build();</a:t>
             </a:r>
           </a:p>
@@ -2656,7 +2631,15 @@
           </a:bodyPr>
           <a:lstStyle/>
           <a:p>
-            <a:endParaRPr lang="zh-CN" altLang="en-US"/>
+            <a:r>
+              <a:rPr lang="zh-CN" altLang="en-US" sz="4000" dirty="0"/>
+              <a:t>设置</a:t>
+            </a:r>
+            <a:r>
+              <a:rPr lang="en-US" altLang="zh-CN" sz="4000" dirty="0"/>
+              <a:t>cookie</a:t>
+            </a:r>
+            <a:endParaRPr lang="zh-CN" altLang="en-US" dirty="0"/>
           </a:p>
         </p:txBody>
       </p:sp>
@@ -2716,12 +2699,48 @@
                 <a:tableStyleId>{5C22544A-7EE6-4342-B048-85BDC9FD1C3A}</a:tableStyleId>
               </a:tblPr>
               <a:tblGrid>
-                <a:gridCol w="792088"/>
-                <a:gridCol w="1224136"/>
-                <a:gridCol w="1261108"/>
-                <a:gridCol w="1180367"/>
-                <a:gridCol w="1734989"/>
-                <a:gridCol w="2376264"/>
+                <a:gridCol w="792088">
+                  <a:extLst>
+                    <a:ext uri="{9D8B030D-6E8A-4147-A177-3AD203B41FA5}">
+                      <a16:colId xmlns:a16="http://schemas.microsoft.com/office/drawing/2014/main" val="20000"/>
+                    </a:ext>
+                  </a:extLst>
+                </a:gridCol>
+                <a:gridCol w="1224136">
+                  <a:extLst>
+                    <a:ext uri="{9D8B030D-6E8A-4147-A177-3AD203B41FA5}">
+                      <a16:colId xmlns:a16="http://schemas.microsoft.com/office/drawing/2014/main" val="20001"/>
+                    </a:ext>
+                  </a:extLst>
+                </a:gridCol>
+                <a:gridCol w="1261108">
+                  <a:extLst>
+                    <a:ext uri="{9D8B030D-6E8A-4147-A177-3AD203B41FA5}">
+                      <a16:colId xmlns:a16="http://schemas.microsoft.com/office/drawing/2014/main" val="20002"/>
+                    </a:ext>
+                  </a:extLst>
+                </a:gridCol>
+                <a:gridCol w="1180367">
+                  <a:extLst>
+                    <a:ext uri="{9D8B030D-6E8A-4147-A177-3AD203B41FA5}">
+                      <a16:colId xmlns:a16="http://schemas.microsoft.com/office/drawing/2014/main" val="20003"/>
+                    </a:ext>
+                  </a:extLst>
+                </a:gridCol>
+                <a:gridCol w="1734989">
+                  <a:extLst>
+                    <a:ext uri="{9D8B030D-6E8A-4147-A177-3AD203B41FA5}">
+                      <a16:colId xmlns:a16="http://schemas.microsoft.com/office/drawing/2014/main" val="20004"/>
+                    </a:ext>
+                  </a:extLst>
+                </a:gridCol>
+                <a:gridCol w="2376264">
+                  <a:extLst>
+                    <a:ext uri="{9D8B030D-6E8A-4147-A177-3AD203B41FA5}">
+                      <a16:colId xmlns:a16="http://schemas.microsoft.com/office/drawing/2014/main" val="20005"/>
+                    </a:ext>
+                  </a:extLst>
+                </a:gridCol>
               </a:tblGrid>
               <a:tr h="379651">
                 <a:tc rowSpan="4">
@@ -3211,6 +3230,11 @@
                     </a:solidFill>
                   </a:tcPr>
                 </a:tc>
+                <a:extLst>
+                  <a:ext uri="{0D108BD9-81ED-4DB2-BD59-A6C34878D82A}">
+                    <a16:rowId xmlns:a16="http://schemas.microsoft.com/office/drawing/2014/main" val="10000"/>
+                  </a:ext>
+                </a:extLst>
               </a:tr>
               <a:tr h="632751">
                 <a:tc vMerge="1">
@@ -3543,19 +3567,7 @@
                         <a:rPr lang="en-US" sz="1200" b="1" u="none" strike="noStrike" dirty="0">
                           <a:effectLst/>
                         </a:rPr>
-                        <a:t>message : </a:t>
-                      </a:r>
-                      <a:r>
-                        <a:rPr lang="en-US" sz="1200" b="1" u="none" strike="noStrike" dirty="0" smtClean="0">
-                          <a:effectLst/>
-                        </a:rPr>
-                        <a:t>“success”</a:t>
-                      </a:r>
-                      <a:r>
-                        <a:rPr lang="en-US" sz="1200" b="1" u="none" strike="noStrike" dirty="0">
-                          <a:effectLst/>
-                        </a:rPr>
-                        <a:t/>
+                        <a:t>message : “success”</a:t>
                       </a:r>
                       <a:br>
                         <a:rPr lang="en-US" sz="1200" b="1" u="none" strike="noStrike" dirty="0">
@@ -3566,34 +3578,28 @@
                         <a:rPr lang="en-US" sz="1200" b="1" u="none" strike="noStrike" dirty="0">
                           <a:effectLst/>
                         </a:rPr>
-                        <a:t>result : </a:t>
-                      </a:r>
-                      <a:r>
-                        <a:rPr lang="en-US" sz="1200" b="1" u="none" strike="noStrike" dirty="0" smtClean="0">
-                          <a:effectLst/>
-                        </a:rPr>
-                        <a:t>“list”:[{“id”:“1”,“receiverName”:“</a:t>
-                      </a:r>
-                      <a:r>
-                        <a:rPr lang="zh-CN" altLang="en-US" sz="1200" b="1" u="none" strike="noStrike" dirty="0" smtClean="0">
+                        <a:t>result : “list”:[{“id”:“1”,“receiverName”:“</a:t>
+                      </a:r>
+                      <a:r>
+                        <a:rPr lang="zh-CN" altLang="en-US" sz="1200" b="1" u="none" strike="noStrike" dirty="0">
                           <a:effectLst/>
                         </a:rPr>
                         <a:t>张三</a:t>
                       </a:r>
                       <a:r>
-                        <a:rPr lang="en-US" altLang="zh-CN" sz="1200" b="1" u="none" strike="noStrike" dirty="0" smtClean="0">
+                        <a:rPr lang="en-US" altLang="zh-CN" sz="1200" b="1" u="none" strike="noStrike" dirty="0">
                           <a:effectLst/>
                         </a:rPr>
                         <a:t>”,“</a:t>
                       </a:r>
                       <a:r>
-                        <a:rPr lang="en-US" sz="1200" b="1" u="none" strike="noStrike" dirty="0" smtClean="0">
+                        <a:rPr lang="en-US" sz="1200" b="1" u="none" strike="noStrike" dirty="0">
                           <a:effectLst/>
                         </a:rPr>
                         <a:t>cellPhone”:“20000000000”,“addressDetail”:“</a:t>
                       </a:r>
                       <a:r>
-                        <a:rPr lang="zh-CN" altLang="en-US" sz="1200" b="1" u="none" strike="noStrike" dirty="0" smtClean="0">
+                        <a:rPr lang="zh-CN" altLang="en-US" sz="1200" b="1" u="none" strike="noStrike" dirty="0">
                           <a:effectLst/>
                         </a:rPr>
                         <a:t>河北师范大学</a:t>
@@ -3608,16 +3614,10 @@
                         <a:rPr lang="en-US" sz="1200" b="1" u="none" strike="noStrike" dirty="0">
                           <a:effectLst/>
                         </a:rPr>
-                        <a:t>province</a:t>
-                      </a:r>
-                      <a:r>
-                        <a:rPr lang="en-US" sz="1200" b="1" u="none" strike="noStrike" dirty="0" smtClean="0">
-                          <a:effectLst/>
-                        </a:rPr>
-                        <a:t>":"</a:t>
-                      </a:r>
-                      <a:r>
-                        <a:rPr lang="zh-CN" altLang="en-US" sz="1200" b="1" u="none" strike="noStrike" dirty="0" smtClean="0">
+                        <a:t>province":"</a:t>
+                      </a:r>
+                      <a:r>
+                        <a:rPr lang="zh-CN" altLang="en-US" sz="1200" b="1" u="none" strike="noStrike" dirty="0">
                           <a:effectLst/>
                         </a:rPr>
                         <a:t>河北省</a:t>
@@ -3632,16 +3632,10 @@
                         <a:rPr lang="en-US" sz="1200" b="1" u="none" strike="noStrike" dirty="0">
                           <a:effectLst/>
                         </a:rPr>
-                        <a:t>city</a:t>
-                      </a:r>
-                      <a:r>
-                        <a:rPr lang="en-US" sz="1200" b="1" u="none" strike="noStrike" dirty="0" smtClean="0">
-                          <a:effectLst/>
-                        </a:rPr>
-                        <a:t>":"</a:t>
-                      </a:r>
-                      <a:r>
-                        <a:rPr lang="zh-CN" altLang="en-US" sz="1200" b="1" u="none" strike="noStrike" dirty="0" smtClean="0">
+                        <a:t>city":"</a:t>
+                      </a:r>
+                      <a:r>
+                        <a:rPr lang="zh-CN" altLang="en-US" sz="1200" b="1" u="none" strike="noStrike" dirty="0">
                           <a:effectLst/>
                         </a:rPr>
                         <a:t>石家庄市</a:t>
@@ -3656,16 +3650,10 @@
                         <a:rPr lang="en-US" sz="1200" b="1" u="none" strike="noStrike" dirty="0">
                           <a:effectLst/>
                         </a:rPr>
-                        <a:t>area</a:t>
-                      </a:r>
-                      <a:r>
-                        <a:rPr lang="en-US" sz="1200" b="1" u="none" strike="noStrike" dirty="0" smtClean="0">
-                          <a:effectLst/>
-                        </a:rPr>
-                        <a:t>":"</a:t>
-                      </a:r>
-                      <a:r>
-                        <a:rPr lang="zh-CN" altLang="en-US" sz="1200" b="1" u="none" strike="noStrike" dirty="0" smtClean="0">
+                        <a:t>area":"</a:t>
+                      </a:r>
+                      <a:r>
+                        <a:rPr lang="zh-CN" altLang="en-US" sz="1200" b="1" u="none" strike="noStrike" dirty="0">
                           <a:effectLst/>
                         </a:rPr>
                         <a:t>裕华区</a:t>
@@ -3730,6 +3718,11 @@
                     </a:solidFill>
                   </a:tcPr>
                 </a:tc>
+                <a:extLst>
+                  <a:ext uri="{0D108BD9-81ED-4DB2-BD59-A6C34878D82A}">
+                    <a16:rowId xmlns:a16="http://schemas.microsoft.com/office/drawing/2014/main" val="10001"/>
+                  </a:ext>
+                </a:extLst>
               </a:tr>
               <a:tr h="379651">
                 <a:tc vMerge="1">
@@ -3981,37 +3974,37 @@
                         <a:t>addressDetail</a:t>
                       </a:r>
                       <a:r>
-                        <a:rPr lang="en-US" sz="1200" b="1" u="none" strike="noStrike" dirty="0" smtClean="0">
+                        <a:rPr lang="en-US" sz="1200" b="1" u="none" strike="noStrike" dirty="0">
                           <a:effectLst/>
                         </a:rPr>
                         <a:t>="</a:t>
                       </a:r>
                       <a:r>
-                        <a:rPr lang="zh-CN" altLang="en-US" sz="1200" b="1" u="none" strike="noStrike" dirty="0" smtClean="0">
+                        <a:rPr lang="zh-CN" altLang="en-US" sz="1200" b="1" u="none" strike="noStrike" dirty="0">
                           <a:effectLst/>
                         </a:rPr>
                         <a:t>河北省</a:t>
                       </a:r>
                       <a:r>
-                        <a:rPr lang="en-US" altLang="zh-CN" sz="1200" b="1" u="none" strike="noStrike" dirty="0" smtClean="0">
+                        <a:rPr lang="en-US" altLang="zh-CN" sz="1200" b="1" u="none" strike="noStrike" dirty="0">
                           <a:effectLst/>
                         </a:rPr>
                         <a:t>_</a:t>
                       </a:r>
                       <a:r>
-                        <a:rPr lang="zh-CN" altLang="en-US" sz="1200" b="1" u="none" strike="noStrike" dirty="0" smtClean="0">
+                        <a:rPr lang="zh-CN" altLang="en-US" sz="1200" b="1" u="none" strike="noStrike" dirty="0">
                           <a:effectLst/>
                         </a:rPr>
                         <a:t>石家庄市</a:t>
                       </a:r>
                       <a:r>
-                        <a:rPr lang="en-US" altLang="zh-CN" sz="1200" b="1" u="none" strike="noStrike" dirty="0" smtClean="0">
+                        <a:rPr lang="en-US" altLang="zh-CN" sz="1200" b="1" u="none" strike="noStrike" dirty="0">
                           <a:effectLst/>
                         </a:rPr>
                         <a:t>_</a:t>
                       </a:r>
                       <a:r>
-                        <a:rPr lang="zh-CN" altLang="en-US" sz="1200" b="1" u="none" strike="noStrike" dirty="0" smtClean="0">
+                        <a:rPr lang="zh-CN" altLang="en-US" sz="1200" b="1" u="none" strike="noStrike" dirty="0">
                           <a:effectLst/>
                         </a:rPr>
                         <a:t>裕华区</a:t>
@@ -4164,6 +4157,11 @@
                     </a:solidFill>
                   </a:tcPr>
                 </a:tc>
+                <a:extLst>
+                  <a:ext uri="{0D108BD9-81ED-4DB2-BD59-A6C34878D82A}">
+                    <a16:rowId xmlns:a16="http://schemas.microsoft.com/office/drawing/2014/main" val="10002"/>
+                  </a:ext>
+                </a:extLst>
               </a:tr>
               <a:tr h="1012402">
                 <a:tc vMerge="1">
@@ -4404,16 +4402,10 @@
                         <a:t>skuIds</a:t>
                       </a:r>
                       <a:r>
-                        <a:rPr lang="en-US" sz="1200" b="1" u="none" strike="noStrike" dirty="0" smtClean="0">
+                        <a:rPr lang="en-US" sz="1200" b="1" u="none" strike="noStrike" dirty="0">
                           <a:effectLst/>
                         </a:rPr>
                         <a:t>=“1”</a:t>
-                      </a:r>
-                      <a:r>
-                        <a:rPr lang="en-US" sz="1200" b="1" u="none" strike="noStrike" dirty="0">
-                          <a:effectLst/>
-                        </a:rPr>
-                        <a:t/>
                       </a:r>
                       <a:br>
                         <a:rPr lang="en-US" sz="1200" b="1" u="none" strike="noStrike" dirty="0">
@@ -4427,28 +4419,22 @@
                         <a:t>receiverName</a:t>
                       </a:r>
                       <a:r>
-                        <a:rPr lang="en-US" sz="1200" b="1" u="none" strike="noStrike" dirty="0" smtClean="0">
+                        <a:rPr lang="en-US" sz="1200" b="1" u="none" strike="noStrike" dirty="0">
                           <a:effectLst/>
                         </a:rPr>
                         <a:t>=“</a:t>
                       </a:r>
                       <a:r>
-                        <a:rPr lang="zh-CN" altLang="en-US" sz="1200" b="1" u="none" strike="noStrike" dirty="0" smtClean="0">
+                        <a:rPr lang="zh-CN" altLang="en-US" sz="1200" b="1" u="none" strike="noStrike" dirty="0">
                           <a:effectLst/>
                         </a:rPr>
                         <a:t>张三</a:t>
                       </a:r>
                       <a:r>
-                        <a:rPr lang="en-US" altLang="zh-CN" sz="1200" b="1" u="none" strike="noStrike" dirty="0" smtClean="0">
+                        <a:rPr lang="en-US" altLang="zh-CN" sz="1200" b="1" u="none" strike="noStrike" dirty="0">
                           <a:effectLst/>
                         </a:rPr>
                         <a:t>”</a:t>
-                      </a:r>
-                      <a:r>
-                        <a:rPr lang="en-US" altLang="zh-CN" sz="1200" b="1" u="none" strike="noStrike" dirty="0">
-                          <a:effectLst/>
-                        </a:rPr>
-                        <a:t/>
                       </a:r>
                       <a:br>
                         <a:rPr lang="en-US" altLang="zh-CN" sz="1200" b="1" u="none" strike="noStrike" dirty="0">
@@ -4462,16 +4448,10 @@
                         <a:t>cellPhone</a:t>
                       </a:r>
                       <a:r>
-                        <a:rPr lang="en-US" sz="1200" b="1" u="none" strike="noStrike" dirty="0" smtClean="0">
+                        <a:rPr lang="en-US" sz="1200" b="1" u="none" strike="noStrike" dirty="0">
                           <a:effectLst/>
                         </a:rPr>
                         <a:t>=“20000000000”</a:t>
-                      </a:r>
-                      <a:r>
-                        <a:rPr lang="en-US" sz="1200" b="1" u="none" strike="noStrike" dirty="0">
-                          <a:effectLst/>
-                        </a:rPr>
-                        <a:t/>
                       </a:r>
                       <a:br>
                         <a:rPr lang="en-US" sz="1200" b="1" u="none" strike="noStrike" dirty="0">
@@ -4485,13 +4465,13 @@
                         <a:t>addressDetail</a:t>
                       </a:r>
                       <a:r>
-                        <a:rPr lang="en-US" sz="1200" b="1" u="none" strike="noStrike" dirty="0" smtClean="0">
+                        <a:rPr lang="en-US" sz="1200" b="1" u="none" strike="noStrike" dirty="0">
                           <a:effectLst/>
                         </a:rPr>
                         <a:t>=“</a:t>
                       </a:r>
                       <a:r>
-                        <a:rPr lang="zh-CN" altLang="en-US" sz="1200" b="1" u="none" strike="noStrike" dirty="0" smtClean="0">
+                        <a:rPr lang="zh-CN" altLang="en-US" sz="1200" b="1" u="none" strike="noStrike" dirty="0">
                           <a:effectLst/>
                         </a:rPr>
                         <a:t>河北师范大学</a:t>
@@ -4511,16 +4491,10 @@
                         <a:rPr lang="en-US" sz="1200" b="1" u="none" strike="noStrike" dirty="0">
                           <a:effectLst/>
                         </a:rPr>
-                        <a:t>province</a:t>
-                      </a:r>
-                      <a:r>
-                        <a:rPr lang="en-US" sz="1200" b="1" u="none" strike="noStrike" dirty="0" smtClean="0">
-                          <a:effectLst/>
-                        </a:rPr>
-                        <a:t>="</a:t>
-                      </a:r>
-                      <a:r>
-                        <a:rPr lang="zh-CN" altLang="en-US" sz="1200" b="1" u="none" strike="noStrike" dirty="0" smtClean="0">
+                        <a:t>province="</a:t>
+                      </a:r>
+                      <a:r>
+                        <a:rPr lang="zh-CN" altLang="en-US" sz="1200" b="1" u="none" strike="noStrike" dirty="0">
                           <a:effectLst/>
                         </a:rPr>
                         <a:t>河北省</a:t>
@@ -4540,16 +4514,10 @@
                         <a:rPr lang="en-US" sz="1200" b="1" u="none" strike="noStrike" dirty="0">
                           <a:effectLst/>
                         </a:rPr>
-                        <a:t>city</a:t>
-                      </a:r>
-                      <a:r>
-                        <a:rPr lang="en-US" sz="1200" b="1" u="none" strike="noStrike" dirty="0" smtClean="0">
-                          <a:effectLst/>
-                        </a:rPr>
-                        <a:t>="</a:t>
-                      </a:r>
-                      <a:r>
-                        <a:rPr lang="zh-CN" altLang="en-US" sz="1200" b="1" u="none" strike="noStrike" dirty="0" smtClean="0">
+                        <a:t>city="</a:t>
+                      </a:r>
+                      <a:r>
+                        <a:rPr lang="zh-CN" altLang="en-US" sz="1200" b="1" u="none" strike="noStrike" dirty="0">
                           <a:effectLst/>
                         </a:rPr>
                         <a:t>石家庄市</a:t>
@@ -4569,16 +4537,10 @@
                         <a:rPr lang="en-US" sz="1200" b="1" u="none" strike="noStrike" dirty="0">
                           <a:effectLst/>
                         </a:rPr>
-                        <a:t>area</a:t>
-                      </a:r>
-                      <a:r>
-                        <a:rPr lang="en-US" sz="1200" b="1" u="none" strike="noStrike" dirty="0" smtClean="0">
-                          <a:effectLst/>
-                        </a:rPr>
-                        <a:t>="</a:t>
-                      </a:r>
-                      <a:r>
-                        <a:rPr lang="zh-CN" altLang="en-US" sz="1200" b="1" u="none" strike="noStrike" dirty="0" smtClean="0">
+                        <a:t>area="</a:t>
+                      </a:r>
+                      <a:r>
+                        <a:rPr lang="zh-CN" altLang="en-US" sz="1200" b="1" u="none" strike="noStrike" dirty="0">
                           <a:effectLst/>
                         </a:rPr>
                         <a:t>裕华区</a:t>
@@ -4748,6 +4710,11 @@
                     </a:solidFill>
                   </a:tcPr>
                 </a:tc>
+                <a:extLst>
+                  <a:ext uri="{0D108BD9-81ED-4DB2-BD59-A6C34878D82A}">
+                    <a16:rowId xmlns:a16="http://schemas.microsoft.com/office/drawing/2014/main" val="10003"/>
+                  </a:ext>
+                </a:extLst>
               </a:tr>
             </a:tbl>
           </a:graphicData>
@@ -4771,10 +4738,9 @@
           <a:lstStyle/>
           <a:p>
             <a:r>
-              <a:rPr lang="zh-CN" altLang="en-US" dirty="0" smtClean="0"/>
+              <a:rPr lang="zh-CN" altLang="en-US" dirty="0"/>
               <a:t>用例回顾</a:t>
             </a:r>
-            <a:endParaRPr lang="zh-CN" altLang="en-US" dirty="0"/>
           </a:p>
         </p:txBody>
       </p:sp>
@@ -4788,13 +4754,6 @@
   <p:clrMapOvr>
     <a:masterClrMapping/>
   </p:clrMapOvr>
-  <p:timing>
-    <p:tnLst>
-      <p:par>
-        <p:cTn id="1" dur="indefinite" restart="never" nodeType="tmRoot"/>
-      </p:par>
-    </p:tnLst>
-  </p:timing>
 </p:sld>
 </file>
 
@@ -4833,18 +4792,17 @@
           <a:lstStyle/>
           <a:p>
             <a:r>
-              <a:rPr lang="zh-CN" altLang="en-US" dirty="0" smtClean="0"/>
+              <a:rPr lang="zh-CN" altLang="en-US" dirty="0"/>
               <a:t>用例步骤</a:t>
             </a:r>
             <a:r>
-              <a:rPr lang="en-US" altLang="zh-CN" dirty="0" smtClean="0"/>
+              <a:rPr lang="en-US" altLang="zh-CN" dirty="0"/>
               <a:t>-</a:t>
             </a:r>
             <a:r>
-              <a:rPr lang="zh-CN" altLang="en-US" dirty="0" smtClean="0"/>
+              <a:rPr lang="zh-CN" altLang="en-US" dirty="0"/>
               <a:t>登录成功</a:t>
             </a:r>
-            <a:endParaRPr lang="zh-CN" altLang="en-US" dirty="0"/>
           </a:p>
         </p:txBody>
       </p:sp>
@@ -4922,13 +4880,6 @@
   <p:clrMapOvr>
     <a:masterClrMapping/>
   </p:clrMapOvr>
-  <p:timing>
-    <p:tnLst>
-      <p:par>
-        <p:cTn id="1" dur="indefinite" restart="never" nodeType="tmRoot"/>
-      </p:par>
-    </p:tnLst>
-  </p:timing>
 </p:sld>
 </file>
 
@@ -4971,14 +4922,13 @@
               <a:t>用例步骤</a:t>
             </a:r>
             <a:r>
-              <a:rPr lang="en-US" altLang="zh-CN" dirty="0" smtClean="0"/>
+              <a:rPr lang="en-US" altLang="zh-CN" dirty="0"/>
               <a:t>-</a:t>
             </a:r>
             <a:r>
-              <a:rPr lang="zh-CN" altLang="en-US" dirty="0" smtClean="0"/>
+              <a:rPr lang="zh-CN" altLang="en-US" dirty="0"/>
               <a:t>查询收货地址</a:t>
             </a:r>
-            <a:endParaRPr lang="zh-CN" altLang="en-US" dirty="0"/>
           </a:p>
         </p:txBody>
       </p:sp>
@@ -5056,13 +5006,6 @@
   <p:clrMapOvr>
     <a:masterClrMapping/>
   </p:clrMapOvr>
-  <p:timing>
-    <p:tnLst>
-      <p:par>
-        <p:cTn id="1" dur="indefinite" restart="never" nodeType="tmRoot"/>
-      </p:par>
-    </p:tnLst>
-  </p:timing>
 </p:sld>
 </file>
 
@@ -5105,7 +5048,7 @@
               <a:t>用例步骤</a:t>
             </a:r>
             <a:r>
-              <a:rPr lang="en-US" altLang="zh-CN" dirty="0" smtClean="0"/>
+              <a:rPr lang="en-US" altLang="zh-CN" dirty="0"/>
               <a:t>-</a:t>
             </a:r>
             <a:r>
@@ -5189,13 +5132,6 @@
   <p:clrMapOvr>
     <a:masterClrMapping/>
   </p:clrMapOvr>
-  <p:timing>
-    <p:tnLst>
-      <p:par>
-        <p:cTn id="1" dur="indefinite" restart="never" nodeType="tmRoot"/>
-      </p:par>
-    </p:tnLst>
-  </p:timing>
 </p:sld>
 </file>
 
@@ -5238,14 +5174,13 @@
               <a:t>用例步骤</a:t>
             </a:r>
             <a:r>
-              <a:rPr lang="en-US" altLang="zh-CN" dirty="0" smtClean="0"/>
+              <a:rPr lang="en-US" altLang="zh-CN" dirty="0"/>
               <a:t>-</a:t>
             </a:r>
             <a:r>
-              <a:rPr lang="zh-CN" altLang="en-US" dirty="0" smtClean="0"/>
+              <a:rPr lang="zh-CN" altLang="en-US" dirty="0"/>
               <a:t>提交订单</a:t>
             </a:r>
-            <a:endParaRPr lang="zh-CN" altLang="en-US" dirty="0"/>
           </a:p>
         </p:txBody>
       </p:sp>
@@ -5323,13 +5258,6 @@
   <p:clrMapOvr>
     <a:masterClrMapping/>
   </p:clrMapOvr>
-  <p:timing>
-    <p:tnLst>
-      <p:par>
-        <p:cTn id="1" dur="indefinite" restart="never" nodeType="tmRoot"/>
-      </p:par>
-    </p:tnLst>
-  </p:timing>
 </p:sld>
 </file>
 
@@ -5372,14 +5300,13 @@
               <a:t>用例步骤</a:t>
             </a:r>
             <a:r>
-              <a:rPr lang="en-US" altLang="zh-CN" dirty="0" smtClean="0"/>
+              <a:rPr lang="en-US" altLang="zh-CN" dirty="0"/>
               <a:t>-</a:t>
             </a:r>
             <a:r>
-              <a:rPr lang="zh-CN" altLang="en-US" dirty="0" smtClean="0"/>
+              <a:rPr lang="zh-CN" altLang="en-US" dirty="0"/>
               <a:t>提交订单（续）</a:t>
             </a:r>
-            <a:endParaRPr lang="zh-CN" altLang="en-US" dirty="0"/>
           </a:p>
         </p:txBody>
       </p:sp>
@@ -5457,13 +5384,6 @@
   <p:clrMapOvr>
     <a:masterClrMapping/>
   </p:clrMapOvr>
-  <p:timing>
-    <p:tnLst>
-      <p:par>
-        <p:cTn id="1" dur="indefinite" restart="never" nodeType="tmRoot"/>
-      </p:par>
-    </p:tnLst>
-  </p:timing>
 </p:sld>
 </file>
 
@@ -5526,7 +5446,7 @@
               </a:spcBef>
             </a:pPr>
             <a:r>
-              <a:rPr lang="zh-CN" altLang="en-US" sz="2600" dirty="0" smtClean="0"/>
+              <a:rPr lang="zh-CN" altLang="en-US" sz="2600" dirty="0"/>
               <a:t>使用</a:t>
             </a:r>
             <a:r>
@@ -5602,10 +5522,9 @@
           <a:lstStyle/>
           <a:p>
             <a:r>
-              <a:rPr lang="zh-CN" altLang="en-US" dirty="0" smtClean="0"/>
+              <a:rPr lang="zh-CN" altLang="en-US" dirty="0"/>
               <a:t>场景测试总结</a:t>
             </a:r>
-            <a:endParaRPr lang="zh-CN" altLang="en-US" dirty="0"/>
           </a:p>
         </p:txBody>
       </p:sp>
@@ -5683,13 +5602,6 @@
   <p:clrMapOvr>
     <a:masterClrMapping/>
   </p:clrMapOvr>
-  <p:timing>
-    <p:tnLst>
-      <p:par>
-        <p:cTn id="1" dur="indefinite" restart="never" nodeType="tmRoot"/>
-      </p:par>
-    </p:tnLst>
-  </p:timing>
 </p:sld>
 </file>
 
@@ -5731,10 +5643,10 @@
               </a:lnSpc>
             </a:pPr>
             <a:r>
-              <a:rPr lang="zh-CN" altLang="en-US" dirty="0" smtClean="0"/>
+              <a:rPr lang="zh-CN" altLang="en-US" dirty="0"/>
               <a:t>注意事项：</a:t>
             </a:r>
-            <a:endParaRPr lang="en-US" altLang="zh-CN" dirty="0" smtClean="0"/>
+            <a:endParaRPr lang="en-US" altLang="zh-CN" dirty="0"/>
           </a:p>
           <a:p>
             <a:pPr lvl="1">
@@ -5743,26 +5655,26 @@
               </a:lnSpc>
             </a:pPr>
             <a:r>
-              <a:rPr lang="zh-CN" altLang="en-US" sz="2400" dirty="0" smtClean="0"/>
+              <a:rPr lang="zh-CN" altLang="en-US" sz="2400" dirty="0"/>
               <a:t>根据具体场景分析关联的接口，使用</a:t>
             </a:r>
             <a:r>
-              <a:rPr lang="en-US" altLang="zh-CN" sz="2400" dirty="0" err="1" smtClean="0"/>
+              <a:rPr lang="en-US" altLang="zh-CN" sz="2400" dirty="0" err="1"/>
               <a:t>TestNG</a:t>
             </a:r>
             <a:r>
-              <a:rPr lang="zh-CN" altLang="en-US" sz="2400" dirty="0" smtClean="0"/>
+              <a:rPr lang="zh-CN" altLang="en-US" sz="2400" dirty="0"/>
               <a:t>功能来安排</a:t>
             </a:r>
             <a:r>
-              <a:rPr lang="zh-CN" altLang="en-US" sz="2400" dirty="0" smtClean="0">
+              <a:rPr lang="zh-CN" altLang="en-US" sz="2400" dirty="0">
                 <a:solidFill>
                   <a:srgbClr val="FF0000"/>
                 </a:solidFill>
               </a:rPr>
               <a:t>用例执行顺序</a:t>
             </a:r>
-            <a:endParaRPr lang="en-US" altLang="zh-CN" sz="2400" dirty="0" smtClean="0">
+            <a:endParaRPr lang="en-US" altLang="zh-CN" sz="2400" dirty="0">
               <a:solidFill>
                 <a:srgbClr val="FF0000"/>
               </a:solidFill>
@@ -5775,10 +5687,9 @@
               </a:lnSpc>
             </a:pPr>
             <a:r>
-              <a:rPr lang="zh-CN" altLang="en-US" sz="2400" dirty="0" smtClean="0"/>
+              <a:rPr lang="zh-CN" altLang="en-US" sz="2400" dirty="0"/>
               <a:t>使用成员变量来传递接口返回数据</a:t>
             </a:r>
-            <a:endParaRPr lang="zh-CN" altLang="en-US" sz="2400" dirty="0"/>
           </a:p>
         </p:txBody>
       </p:sp>
@@ -5816,13 +5727,6 @@
   <p:clrMapOvr>
     <a:masterClrMapping/>
   </p:clrMapOvr>
-  <p:timing>
-    <p:tnLst>
-      <p:par>
-        <p:cTn id="1" dur="indefinite" restart="never" nodeType="tmRoot"/>
-      </p:par>
-    </p:tnLst>
-  </p:timing>
 </p:sld>
 </file>
 
@@ -5834,7 +5738,7 @@
         <a:sysClr val="windowText" lastClr="000000"/>
       </a:dk1>
       <a:lt1>
-        <a:sysClr val="window" lastClr="CCE8CF"/>
+        <a:sysClr val="window" lastClr="FFFFFF"/>
       </a:lt1>
       <a:dk2>
         <a:srgbClr val="1F497D"/>
@@ -6117,7 +6021,7 @@
         <a:sysClr val="windowText" lastClr="000000"/>
       </a:dk1>
       <a:lt1>
-        <a:sysClr val="window" lastClr="CCE8CF"/>
+        <a:sysClr val="window" lastClr="FFFFFF"/>
       </a:lt1>
       <a:dk2>
         <a:srgbClr val="1F497D"/>
